--- a/Jay_TPS/The goal of the evaluation experiment is to confirm the learning effect by the learning.pptx
+++ b/Jay_TPS/The goal of the evaluation experiment is to confirm the learning effect by the learning.pptx
@@ -119,7 +119,7 @@
   </p:defaultTextStyle>
   <p:extLst>
     <p:ext uri="{EFAFB233-063F-42B5-8137-9DF3F51BA10A}">
-      <p15:sldGuideLst xmlns:p15="http://schemas.microsoft.com/office/powerpoint/2012/main"/>
+      <p15:sldGuideLst xmlns:p15="http://schemas.microsoft.com/office/powerpoint/2012/main" xmlns=""/>
     </p:ext>
   </p:extLst>
 </p:presentation>
@@ -3543,60 +3543,6 @@
           </a:prstGeom>
         </p:spPr>
       </p:pic>
-      <p:sp>
-        <p:nvSpPr>
-          <p:cNvPr id="5" name="矩形 4"/>
-          <p:cNvSpPr/>
-          <p:nvPr/>
-        </p:nvSpPr>
-        <p:spPr>
-          <a:xfrm>
-            <a:off x="5788895" y="598254"/>
-            <a:ext cx="6739750" cy="923330"/>
-          </a:xfrm>
-          <a:prstGeom prst="rect">
-            <a:avLst/>
-          </a:prstGeom>
-        </p:spPr>
-        <p:txBody>
-          <a:bodyPr wrap="square">
-            <a:spAutoFit/>
-          </a:bodyPr>
-          <a:lstStyle/>
-          <a:p>
-            <a:r>
-              <a:rPr lang="zh-TW" altLang="en-US" dirty="0" smtClean="0"/>
-              <a:t>實驗組   P =</a:t>
-            </a:r>
-            <a:r>
-              <a:rPr lang="en-US" altLang="zh-TW" dirty="0" smtClean="0"/>
-              <a:t>0.056</a:t>
-            </a:r>
-          </a:p>
-          <a:p>
-            <a:r>
-              <a:rPr lang="zh-TW" altLang="en-US" dirty="0" smtClean="0"/>
-              <a:t>對照組   P=</a:t>
-            </a:r>
-            <a:r>
-              <a:rPr lang="en-US" altLang="zh-TW" dirty="0" smtClean="0"/>
-              <a:t>0.774</a:t>
-            </a:r>
-            <a:r>
-              <a:rPr lang="zh-TW" altLang="en-US" dirty="0" smtClean="0"/>
-              <a:t>。</a:t>
-            </a:r>
-            <a:endParaRPr lang="en-US" altLang="zh-TW" dirty="0" smtClean="0"/>
-          </a:p>
-          <a:p>
-            <a:r>
-              <a:rPr lang="zh-TW" altLang="en-US" dirty="0" smtClean="0"/>
-              <a:t>若P&lt;0.05，則結果是顯著。因此，實驗組的結果是接近到顯著。</a:t>
-            </a:r>
-            <a:endParaRPr lang="zh-TW" altLang="en-US" dirty="0"/>
-          </a:p>
-        </p:txBody>
-      </p:sp>
     </p:spTree>
     <p:extLst>
       <p:ext uri="{BB962C8B-B14F-4D97-AF65-F5344CB8AC3E}">
@@ -3700,49 +3646,6 @@
           </a:prstGeom>
         </p:spPr>
       </p:pic>
-      <p:sp>
-        <p:nvSpPr>
-          <p:cNvPr id="6" name="矩形 5"/>
-          <p:cNvSpPr/>
-          <p:nvPr/>
-        </p:nvSpPr>
-        <p:spPr>
-          <a:xfrm>
-            <a:off x="5422711" y="659055"/>
-            <a:ext cx="6096000" cy="923330"/>
-          </a:xfrm>
-          <a:prstGeom prst="rect">
-            <a:avLst/>
-          </a:prstGeom>
-        </p:spPr>
-        <p:txBody>
-          <a:bodyPr>
-            <a:spAutoFit/>
-          </a:bodyPr>
-          <a:lstStyle/>
-          <a:p>
-            <a:r>
-              <a:rPr lang="zh-TW" altLang="en-US" dirty="0" smtClean="0"/>
-              <a:t>實驗組   P =0.095</a:t>
-            </a:r>
-            <a:endParaRPr lang="en-US" altLang="zh-TW" dirty="0" smtClean="0"/>
-          </a:p>
-          <a:p>
-            <a:r>
-              <a:rPr lang="zh-TW" altLang="en-US" dirty="0" smtClean="0"/>
-              <a:t>對照組   P=0.440。</a:t>
-            </a:r>
-            <a:endParaRPr lang="en-US" altLang="zh-TW" dirty="0" smtClean="0"/>
-          </a:p>
-          <a:p>
-            <a:r>
-              <a:rPr lang="zh-TW" altLang="en-US" dirty="0" smtClean="0"/>
-              <a:t>若P&lt;0.05，則結果是顯著。因此，這兩個結果不顯著。</a:t>
-            </a:r>
-            <a:endParaRPr lang="zh-TW" altLang="en-US" dirty="0"/>
-          </a:p>
-        </p:txBody>
-      </p:sp>
     </p:spTree>
     <p:extLst>
       <p:ext uri="{BB962C8B-B14F-4D97-AF65-F5344CB8AC3E}">
@@ -3846,55 +3749,6 @@
           </a:prstGeom>
         </p:spPr>
       </p:pic>
-      <p:sp>
-        <p:nvSpPr>
-          <p:cNvPr id="5" name="矩形 4"/>
-          <p:cNvSpPr/>
-          <p:nvPr/>
-        </p:nvSpPr>
-        <p:spPr>
-          <a:xfrm>
-            <a:off x="5422711" y="659055"/>
-            <a:ext cx="6096000" cy="923330"/>
-          </a:xfrm>
-          <a:prstGeom prst="rect">
-            <a:avLst/>
-          </a:prstGeom>
-        </p:spPr>
-        <p:txBody>
-          <a:bodyPr>
-            <a:spAutoFit/>
-          </a:bodyPr>
-          <a:lstStyle/>
-          <a:p>
-            <a:r>
-              <a:rPr lang="zh-TW" altLang="en-US" dirty="0" smtClean="0"/>
-              <a:t>實驗組   P =</a:t>
-            </a:r>
-            <a:r>
-              <a:rPr lang="en-US" altLang="zh-TW" dirty="0" smtClean="0"/>
-              <a:t>0.003</a:t>
-            </a:r>
-          </a:p>
-          <a:p>
-            <a:r>
-              <a:rPr lang="zh-TW" altLang="en-US" dirty="0" smtClean="0"/>
-              <a:t>對照組   P=</a:t>
-            </a:r>
-            <a:r>
-              <a:rPr lang="en-US" altLang="zh-TW" dirty="0" smtClean="0"/>
-              <a:t>0.428</a:t>
-            </a:r>
-          </a:p>
-          <a:p>
-            <a:r>
-              <a:rPr lang="zh-TW" altLang="en-US" dirty="0" smtClean="0"/>
-              <a:t>若P&lt;0.05，則結果是顯著。因此，實驗組的結果是非常顯著。</a:t>
-            </a:r>
-            <a:endParaRPr lang="zh-TW" altLang="en-US" dirty="0"/>
-          </a:p>
-        </p:txBody>
-      </p:sp>
     </p:spTree>
     <p:extLst>
       <p:ext uri="{BB962C8B-B14F-4D97-AF65-F5344CB8AC3E}">
@@ -5643,7 +5497,7 @@
   <a:extraClrSchemeLst/>
   <a:extLst>
     <a:ext uri="{05A4C25C-085E-4340-85A3-A5531E510DB2}">
-      <thm15:themeFamily xmlns:thm15="http://schemas.microsoft.com/office/thememl/2012/main" name="Office Theme" id="{62F939B6-93AF-4DB8-9C6B-D6C7DFDC589F}" vid="{4A3C46E8-61CC-4603-A589-7422A47A8E4A}"/>
+      <thm15:themeFamily xmlns:thm15="http://schemas.microsoft.com/office/thememl/2012/main" xmlns="" name="Office Theme" id="{62F939B6-93AF-4DB8-9C6B-D6C7DFDC589F}" vid="{4A3C46E8-61CC-4603-A589-7422A47A8E4A}"/>
     </a:ext>
   </a:extLst>
 </a:theme>
